--- a/ClassMaterials/JavaIntro/Slides/Part2-JavaIntro.pptx
+++ b/ClassMaterials/JavaIntro/Slides/Part2-JavaIntro.pptx
@@ -3445,7 +3445,7 @@
           </a:ln>
           <a:extLst>
             <a:ext uri="{C572A759-6A51-4108-AA02-DFA0A04FC94B}">
-              <ma14:wrappingTextBoxFlag xmlns:ma14="http://schemas.microsoft.com/office/mac/drawingml/2011/main" xmlns="" val="1"/>
+              <ma14:wrappingTextBoxFlag xmlns="" xmlns:ma14="http://schemas.microsoft.com/office/mac/drawingml/2011/main" val="1"/>
             </a:ext>
           </a:extLst>
         </p:spPr>
@@ -3488,7 +3488,7 @@
           </a:ln>
           <a:extLst>
             <a:ext uri="{C572A759-6A51-4108-AA02-DFA0A04FC94B}">
-              <ma14:wrappingTextBoxFlag xmlns:ma14="http://schemas.microsoft.com/office/mac/drawingml/2011/main" xmlns="" val="1"/>
+              <ma14:wrappingTextBoxFlag xmlns="" xmlns:ma14="http://schemas.microsoft.com/office/mac/drawingml/2011/main" val="1"/>
             </a:ext>
           </a:extLst>
         </p:spPr>
@@ -4319,7 +4319,7 @@
           </a:ln>
           <a:extLst>
             <a:ext uri="{C572A759-6A51-4108-AA02-DFA0A04FC94B}">
-              <ma14:wrappingTextBoxFlag xmlns="" xmlns:ma14="http://schemas.microsoft.com/office/mac/drawingml/2011/main" val="1"/>
+              <ma14:wrappingTextBoxFlag xmlns:ma14="http://schemas.microsoft.com/office/mac/drawingml/2011/main" xmlns="" val="1"/>
             </a:ext>
           </a:extLst>
         </p:spPr>
@@ -4431,7 +4431,7 @@
           </a:ln>
           <a:extLst>
             <a:ext uri="{C572A759-6A51-4108-AA02-DFA0A04FC94B}">
-              <ma14:wrappingTextBoxFlag xmlns="" xmlns:ma14="http://schemas.microsoft.com/office/mac/drawingml/2011/main" val="1"/>
+              <ma14:wrappingTextBoxFlag xmlns:ma14="http://schemas.microsoft.com/office/mac/drawingml/2011/main" xmlns="" val="1"/>
             </a:ext>
           </a:extLst>
         </p:spPr>
@@ -5126,7 +5126,7 @@
           </a:ln>
           <a:extLst>
             <a:ext uri="{C572A759-6A51-4108-AA02-DFA0A04FC94B}">
-              <ma14:wrappingTextBoxFlag xmlns="" xmlns:ma14="http://schemas.microsoft.com/office/mac/drawingml/2011/main" val="1"/>
+              <ma14:wrappingTextBoxFlag xmlns:ma14="http://schemas.microsoft.com/office/mac/drawingml/2011/main" xmlns="" val="1"/>
             </a:ext>
           </a:extLst>
         </p:spPr>
@@ -6087,7 +6087,7 @@
           </a:prstGeom>
           <a:extLst>
             <a:ext uri="{C572A759-6A51-4108-AA02-DFA0A04FC94B}">
-              <ma14:wrappingTextBoxFlag xmlns="" xmlns:ma14="http://schemas.microsoft.com/office/mac/drawingml/2011/main" val="1"/>
+              <ma14:wrappingTextBoxFlag xmlns:ma14="http://schemas.microsoft.com/office/mac/drawingml/2011/main" xmlns="" val="1"/>
             </a:ext>
           </a:extLst>
         </p:spPr>
@@ -6520,6 +6520,36 @@
           <a:chExt cx="0" cy="0"/>
         </a:xfrm>
       </p:grpSpPr>
+      <p:pic>
+        <p:nvPicPr>
+          <p:cNvPr id="4" name="Picture 3">
+            <a:extLst>
+              <a:ext uri="{FF2B5EF4-FFF2-40B4-BE49-F238E27FC236}">
+                <a16:creationId xmlns:a16="http://schemas.microsoft.com/office/drawing/2014/main" id="{57E84965-004E-A59A-89A1-4BB512387D4D}"/>
+              </a:ext>
+            </a:extLst>
+          </p:cNvPr>
+          <p:cNvPicPr>
+            <a:picLocks noChangeAspect="1"/>
+          </p:cNvPicPr>
+          <p:nvPr/>
+        </p:nvPicPr>
+        <p:blipFill>
+          <a:blip r:embed="rId3"/>
+          <a:stretch>
+            <a:fillRect/>
+          </a:stretch>
+        </p:blipFill>
+        <p:spPr>
+          <a:xfrm>
+            <a:off x="0" y="2527474"/>
+            <a:ext cx="9144000" cy="4238450"/>
+          </a:xfrm>
+          <a:prstGeom prst="rect">
+            <a:avLst/>
+          </a:prstGeom>
+        </p:spPr>
+      </p:pic>
       <p:sp>
         <p:nvSpPr>
           <p:cNvPr id="2" name="Title 1">
@@ -6552,36 +6582,6 @@
           </a:p>
         </p:txBody>
       </p:sp>
-      <p:pic>
-        <p:nvPicPr>
-          <p:cNvPr id="5" name="Picture 4">
-            <a:extLst>
-              <a:ext uri="{FF2B5EF4-FFF2-40B4-BE49-F238E27FC236}">
-                <a16:creationId xmlns:a16="http://schemas.microsoft.com/office/drawing/2014/main" id="{8089876E-8C7A-847A-A1D5-754576680B09}"/>
-              </a:ext>
-            </a:extLst>
-          </p:cNvPr>
-          <p:cNvPicPr>
-            <a:picLocks noChangeAspect="1"/>
-          </p:cNvPicPr>
-          <p:nvPr/>
-        </p:nvPicPr>
-        <p:blipFill>
-          <a:blip r:embed="rId3"/>
-          <a:stretch>
-            <a:fillRect/>
-          </a:stretch>
-        </p:blipFill>
-        <p:spPr>
-          <a:xfrm>
-            <a:off x="0" y="1802616"/>
-            <a:ext cx="9144000" cy="4936638"/>
-          </a:xfrm>
-          <a:prstGeom prst="rect">
-            <a:avLst/>
-          </a:prstGeom>
-        </p:spPr>
-      </p:pic>
       <p:sp>
         <p:nvSpPr>
           <p:cNvPr id="7" name="Rectangle 6">
@@ -6596,7 +6596,7 @@
         </p:nvSpPr>
         <p:spPr>
           <a:xfrm>
-            <a:off x="7073060" y="3855437"/>
+            <a:off x="7010400" y="4343400"/>
             <a:ext cx="734925" cy="830995"/>
           </a:xfrm>
           <a:prstGeom prst="rect">
@@ -6754,7 +6754,7 @@
         </p:nvSpPr>
         <p:spPr>
           <a:xfrm>
-            <a:off x="3200400" y="2617055"/>
+            <a:off x="3138588" y="3124200"/>
             <a:ext cx="734925" cy="830995"/>
           </a:xfrm>
           <a:prstGeom prst="rect">
@@ -6912,7 +6912,7 @@
         </p:nvSpPr>
         <p:spPr>
           <a:xfrm>
-            <a:off x="609600" y="5334000"/>
+            <a:off x="533400" y="5562599"/>
             <a:ext cx="734925" cy="830995"/>
           </a:xfrm>
           <a:prstGeom prst="rect">
@@ -7070,7 +7070,7 @@
         </p:nvSpPr>
         <p:spPr>
           <a:xfrm>
-            <a:off x="5791200" y="5562600"/>
+            <a:off x="5791200" y="5715000"/>
             <a:ext cx="734925" cy="830995"/>
           </a:xfrm>
           <a:prstGeom prst="rect">
@@ -7443,7 +7443,7 @@
           </a:ln>
           <a:extLst>
             <a:ext uri="{C572A759-6A51-4108-AA02-DFA0A04FC94B}">
-              <ma14:wrappingTextBoxFlag xmlns="" xmlns:ma14="http://schemas.microsoft.com/office/mac/drawingml/2011/main" val="1"/>
+              <ma14:wrappingTextBoxFlag xmlns:ma14="http://schemas.microsoft.com/office/mac/drawingml/2011/main" xmlns="" val="1"/>
             </a:ext>
           </a:extLst>
         </p:spPr>
@@ -7947,7 +7947,7 @@
               <a:effectLst/>
               <a:extLst>
                 <a:ext uri="{C572A759-6A51-4108-AA02-DFA0A04FC94B}">
-                  <ma14:wrappingTextBoxFlag xmlns="" xmlns:ma14="http://schemas.microsoft.com/office/mac/drawingml/2011/main" val="1"/>
+                  <ma14:wrappingTextBoxFlag xmlns:ma14="http://schemas.microsoft.com/office/mac/drawingml/2011/main" xmlns="" val="1"/>
                 </a:ext>
               </a:extLst>
             </p:spPr>
@@ -8129,7 +8129,7 @@
               <a:effectLst/>
               <a:extLst>
                 <a:ext uri="{C572A759-6A51-4108-AA02-DFA0A04FC94B}">
-                  <ma14:wrappingTextBoxFlag xmlns="" xmlns:ma14="http://schemas.microsoft.com/office/mac/drawingml/2011/main" val="1"/>
+                  <ma14:wrappingTextBoxFlag xmlns:ma14="http://schemas.microsoft.com/office/mac/drawingml/2011/main" xmlns="" val="1"/>
                 </a:ext>
               </a:extLst>
             </p:spPr>
@@ -8302,7 +8302,7 @@
               <a:effectLst/>
               <a:extLst>
                 <a:ext uri="{C572A759-6A51-4108-AA02-DFA0A04FC94B}">
-                  <ma14:wrappingTextBoxFlag xmlns="" xmlns:ma14="http://schemas.microsoft.com/office/mac/drawingml/2011/main" val="1"/>
+                  <ma14:wrappingTextBoxFlag xmlns:ma14="http://schemas.microsoft.com/office/mac/drawingml/2011/main" xmlns="" val="1"/>
                 </a:ext>
               </a:extLst>
             </p:spPr>
@@ -8511,7 +8511,7 @@
               <a:effectLst/>
               <a:extLst>
                 <a:ext uri="{C572A759-6A51-4108-AA02-DFA0A04FC94B}">
-                  <ma14:wrappingTextBoxFlag xmlns="" xmlns:ma14="http://schemas.microsoft.com/office/mac/drawingml/2011/main" val="1"/>
+                  <ma14:wrappingTextBoxFlag xmlns:ma14="http://schemas.microsoft.com/office/mac/drawingml/2011/main" xmlns="" val="1"/>
                 </a:ext>
               </a:extLst>
             </p:spPr>
@@ -8707,7 +8707,7 @@
             <a:effectLst/>
             <a:extLst>
               <a:ext uri="{C572A759-6A51-4108-AA02-DFA0A04FC94B}">
-                <ma14:wrappingTextBoxFlag xmlns="" xmlns:ma14="http://schemas.microsoft.com/office/mac/drawingml/2011/main" val="1"/>
+                <ma14:wrappingTextBoxFlag xmlns:ma14="http://schemas.microsoft.com/office/mac/drawingml/2011/main" xmlns="" val="1"/>
               </a:ext>
             </a:extLst>
           </p:spPr>

--- a/ClassMaterials/JavaIntro/Slides/Part2-JavaIntro.pptx
+++ b/ClassMaterials/JavaIntro/Slides/Part2-JavaIntro.pptx
@@ -2923,7 +2923,7 @@
           </a:ln>
           <a:extLst>
             <a:ext uri="{C572A759-6A51-4108-AA02-DFA0A04FC94B}">
-              <ma14:wrappingTextBoxFlag xmlns:ma14="http://schemas.microsoft.com/office/mac/drawingml/2011/main" xmlns="" val="1"/>
+              <ma14:wrappingTextBoxFlag xmlns="" xmlns:ma14="http://schemas.microsoft.com/office/mac/drawingml/2011/main" val="1"/>
             </a:ext>
           </a:extLst>
         </p:spPr>
@@ -2966,7 +2966,7 @@
           </a:ln>
           <a:extLst>
             <a:ext uri="{C572A759-6A51-4108-AA02-DFA0A04FC94B}">
-              <ma14:wrappingTextBoxFlag xmlns:ma14="http://schemas.microsoft.com/office/mac/drawingml/2011/main" xmlns="" val="1"/>
+              <ma14:wrappingTextBoxFlag xmlns="" xmlns:ma14="http://schemas.microsoft.com/office/mac/drawingml/2011/main" val="1"/>
             </a:ext>
           </a:extLst>
         </p:spPr>
@@ -3695,7 +3695,7 @@
           </a:ln>
           <a:extLst>
             <a:ext uri="{C572A759-6A51-4108-AA02-DFA0A04FC94B}">
-              <ma14:wrappingTextBoxFlag xmlns="" xmlns:ma14="http://schemas.microsoft.com/office/mac/drawingml/2011/main" val="1"/>
+              <ma14:wrappingTextBoxFlag xmlns:ma14="http://schemas.microsoft.com/office/mac/drawingml/2011/main" xmlns="" val="1"/>
             </a:ext>
           </a:extLst>
         </p:spPr>
@@ -4670,7 +4670,7 @@
           </a:prstGeom>
           <a:extLst>
             <a:ext uri="{C572A759-6A51-4108-AA02-DFA0A04FC94B}">
-              <ma14:wrappingTextBoxFlag xmlns="" xmlns:ma14="http://schemas.microsoft.com/office/mac/drawingml/2011/main" val="1"/>
+              <ma14:wrappingTextBoxFlag xmlns:ma14="http://schemas.microsoft.com/office/mac/drawingml/2011/main" xmlns="" val="1"/>
             </a:ext>
           </a:extLst>
         </p:spPr>
@@ -5105,10 +5105,10 @@
       </p:grpSpPr>
       <p:pic>
         <p:nvPicPr>
-          <p:cNvPr id="4" name="Picture 3">
+          <p:cNvPr id="9" name="Picture 8">
             <a:extLst>
               <a:ext uri="{FF2B5EF4-FFF2-40B4-BE49-F238E27FC236}">
-                <a16:creationId xmlns:a16="http://schemas.microsoft.com/office/drawing/2014/main" id="{57E84965-004E-A59A-89A1-4BB512387D4D}"/>
+                <a16:creationId xmlns:a16="http://schemas.microsoft.com/office/drawing/2014/main" id="{B696A0FF-BFBB-03DE-B552-0DEF46873967}"/>
               </a:ext>
             </a:extLst>
           </p:cNvPr>
@@ -5125,8 +5125,8 @@
         </p:blipFill>
         <p:spPr>
           <a:xfrm>
-            <a:off x="0" y="2527474"/>
-            <a:ext cx="9144000" cy="4238450"/>
+            <a:off x="-29308" y="2286000"/>
+            <a:ext cx="9144000" cy="3500208"/>
           </a:xfrm>
           <a:prstGeom prst="rect">
             <a:avLst/>
@@ -5179,7 +5179,7 @@
         </p:nvSpPr>
         <p:spPr>
           <a:xfrm>
-            <a:off x="7010400" y="4343400"/>
+            <a:off x="7033846" y="3169940"/>
             <a:ext cx="734925" cy="830995"/>
           </a:xfrm>
           <a:prstGeom prst="rect">
@@ -5337,7 +5337,7 @@
         </p:nvSpPr>
         <p:spPr>
           <a:xfrm>
-            <a:off x="3138588" y="3124200"/>
+            <a:off x="3147646" y="1941710"/>
             <a:ext cx="734925" cy="830995"/>
           </a:xfrm>
           <a:prstGeom prst="rect">
@@ -5495,7 +5495,7 @@
         </p:nvSpPr>
         <p:spPr>
           <a:xfrm>
-            <a:off x="533400" y="5562599"/>
+            <a:off x="1763905" y="3812213"/>
             <a:ext cx="734925" cy="830995"/>
           </a:xfrm>
           <a:prstGeom prst="rect">
@@ -5653,7 +5653,7 @@
         </p:nvSpPr>
         <p:spPr>
           <a:xfrm>
-            <a:off x="5791200" y="5715000"/>
+            <a:off x="5738446" y="5278634"/>
             <a:ext cx="734925" cy="830995"/>
           </a:xfrm>
           <a:prstGeom prst="rect">
@@ -6019,7 +6019,7 @@
           </a:ln>
           <a:extLst>
             <a:ext uri="{C572A759-6A51-4108-AA02-DFA0A04FC94B}">
-              <ma14:wrappingTextBoxFlag xmlns="" xmlns:ma14="http://schemas.microsoft.com/office/mac/drawingml/2011/main" val="1"/>
+              <ma14:wrappingTextBoxFlag xmlns:ma14="http://schemas.microsoft.com/office/mac/drawingml/2011/main" xmlns="" val="1"/>
             </a:ext>
           </a:extLst>
         </p:spPr>
@@ -6523,7 +6523,7 @@
               <a:effectLst/>
               <a:extLst>
                 <a:ext uri="{C572A759-6A51-4108-AA02-DFA0A04FC94B}">
-                  <ma14:wrappingTextBoxFlag xmlns="" xmlns:ma14="http://schemas.microsoft.com/office/mac/drawingml/2011/main" val="1"/>
+                  <ma14:wrappingTextBoxFlag xmlns:ma14="http://schemas.microsoft.com/office/mac/drawingml/2011/main" xmlns="" val="1"/>
                 </a:ext>
               </a:extLst>
             </p:spPr>
@@ -6705,7 +6705,7 @@
               <a:effectLst/>
               <a:extLst>
                 <a:ext uri="{C572A759-6A51-4108-AA02-DFA0A04FC94B}">
-                  <ma14:wrappingTextBoxFlag xmlns="" xmlns:ma14="http://schemas.microsoft.com/office/mac/drawingml/2011/main" val="1"/>
+                  <ma14:wrappingTextBoxFlag xmlns:ma14="http://schemas.microsoft.com/office/mac/drawingml/2011/main" xmlns="" val="1"/>
                 </a:ext>
               </a:extLst>
             </p:spPr>
@@ -6878,7 +6878,7 @@
               <a:effectLst/>
               <a:extLst>
                 <a:ext uri="{C572A759-6A51-4108-AA02-DFA0A04FC94B}">
-                  <ma14:wrappingTextBoxFlag xmlns="" xmlns:ma14="http://schemas.microsoft.com/office/mac/drawingml/2011/main" val="1"/>
+                  <ma14:wrappingTextBoxFlag xmlns:ma14="http://schemas.microsoft.com/office/mac/drawingml/2011/main" xmlns="" val="1"/>
                 </a:ext>
               </a:extLst>
             </p:spPr>
@@ -7087,7 +7087,7 @@
               <a:effectLst/>
               <a:extLst>
                 <a:ext uri="{C572A759-6A51-4108-AA02-DFA0A04FC94B}">
-                  <ma14:wrappingTextBoxFlag xmlns="" xmlns:ma14="http://schemas.microsoft.com/office/mac/drawingml/2011/main" val="1"/>
+                  <ma14:wrappingTextBoxFlag xmlns:ma14="http://schemas.microsoft.com/office/mac/drawingml/2011/main" xmlns="" val="1"/>
                 </a:ext>
               </a:extLst>
             </p:spPr>
@@ -7283,7 +7283,7 @@
             <a:effectLst/>
             <a:extLst>
               <a:ext uri="{C572A759-6A51-4108-AA02-DFA0A04FC94B}">
-                <ma14:wrappingTextBoxFlag xmlns="" xmlns:ma14="http://schemas.microsoft.com/office/mac/drawingml/2011/main" val="1"/>
+                <ma14:wrappingTextBoxFlag xmlns:ma14="http://schemas.microsoft.com/office/mac/drawingml/2011/main" xmlns="" val="1"/>
               </a:ext>
             </a:extLst>
           </p:spPr>
